--- a/presentation/prom-grafana.pptx
+++ b/presentation/prom-grafana.pptx
@@ -9,6 +9,7 @@
     <p:sldId id="256" r:id="rId3"/>
     <p:sldId id="258" r:id="rId4"/>
     <p:sldId id="257" r:id="rId5"/>
+    <p:sldId id="260" r:id="rId6"/>
   </p:sldIdLst>
   <p:sldSz cx="12192000" cy="6858000"/>
   <p:notesSz cx="6858000" cy="9144000"/>
@@ -107,6 +108,11 @@
       </a:defRPr>
     </a:lvl9pPr>
   </p:defaultTextStyle>
+  <p:extLst>
+    <p:ext uri="{EFAFB233-063F-42B5-8137-9DF3F51BA10A}">
+      <p15:sldGuideLst xmlns:p15="http://schemas.microsoft.com/office/powerpoint/2012/main"/>
+    </p:ext>
+  </p:extLst>
 </p:presentation>
 </file>
 
@@ -3694,6 +3700,89 @@
     <p:extLst>
       <p:ext uri="{BB962C8B-B14F-4D97-AF65-F5344CB8AC3E}">
         <p14:creationId xmlns:p14="http://schemas.microsoft.com/office/powerpoint/2010/main" val="3380140253"/>
+      </p:ext>
+    </p:extLst>
+  </p:cSld>
+  <p:clrMapOvr>
+    <a:masterClrMapping/>
+  </p:clrMapOvr>
+</p:sld>
+</file>
+
+<file path=ppt/slides/slide5.xml><?xml version="1.0" encoding="utf-8"?>
+<p:sld xmlns:a="http://schemas.openxmlformats.org/drawingml/2006/main" xmlns:r="http://schemas.openxmlformats.org/officeDocument/2006/relationships" xmlns:p="http://schemas.openxmlformats.org/presentationml/2006/main">
+  <p:cSld>
+    <p:spTree>
+      <p:nvGrpSpPr>
+        <p:cNvPr id="1" name=""/>
+        <p:cNvGrpSpPr/>
+        <p:nvPr/>
+      </p:nvGrpSpPr>
+      <p:grpSpPr>
+        <a:xfrm>
+          <a:off x="0" y="0"/>
+          <a:ext cx="0" cy="0"/>
+          <a:chOff x="0" y="0"/>
+          <a:chExt cx="0" cy="0"/>
+        </a:xfrm>
+      </p:grpSpPr>
+      <p:sp>
+        <p:nvSpPr>
+          <p:cNvPr id="2" name="Title 1">
+            <a:extLst>
+              <a:ext uri="{FF2B5EF4-FFF2-40B4-BE49-F238E27FC236}">
+                <a16:creationId xmlns:a16="http://schemas.microsoft.com/office/drawing/2014/main" id="{6BCBD840-0123-E1F6-DACB-1C9ACAD57D70}"/>
+              </a:ext>
+            </a:extLst>
+          </p:cNvPr>
+          <p:cNvSpPr>
+            <a:spLocks noGrp="1"/>
+          </p:cNvSpPr>
+          <p:nvPr>
+            <p:ph type="title"/>
+          </p:nvPr>
+        </p:nvSpPr>
+        <p:spPr/>
+        <p:txBody>
+          <a:bodyPr/>
+          <a:lstStyle/>
+          <a:p>
+            <a:r>
+              <a:rPr lang="en-IN" dirty="0"/>
+              <a:t>Creating exporter super user</a:t>
+            </a:r>
+          </a:p>
+        </p:txBody>
+      </p:sp>
+      <p:sp>
+        <p:nvSpPr>
+          <p:cNvPr id="7" name="Content Placeholder 6">
+            <a:extLst>
+              <a:ext uri="{FF2B5EF4-FFF2-40B4-BE49-F238E27FC236}">
+                <a16:creationId xmlns:a16="http://schemas.microsoft.com/office/drawing/2014/main" id="{73C29A9E-8E78-810D-D823-E557D1F023F0}"/>
+              </a:ext>
+            </a:extLst>
+          </p:cNvPr>
+          <p:cNvSpPr>
+            <a:spLocks noGrp="1"/>
+          </p:cNvSpPr>
+          <p:nvPr>
+            <p:ph idx="1"/>
+          </p:nvPr>
+        </p:nvSpPr>
+        <p:spPr/>
+        <p:txBody>
+          <a:bodyPr/>
+          <a:lstStyle/>
+          <a:p>
+            <a:endParaRPr lang="en-IN"/>
+          </a:p>
+        </p:txBody>
+      </p:sp>
+    </p:spTree>
+    <p:extLst>
+      <p:ext uri="{BB962C8B-B14F-4D97-AF65-F5344CB8AC3E}">
+        <p14:creationId xmlns:p14="http://schemas.microsoft.com/office/powerpoint/2010/main" val="2384878806"/>
       </p:ext>
     </p:extLst>
   </p:cSld>

--- a/presentation/prom-grafana.pptx
+++ b/presentation/prom-grafana.pptx
@@ -10,6 +10,8 @@
     <p:sldId id="258" r:id="rId4"/>
     <p:sldId id="257" r:id="rId5"/>
     <p:sldId id="260" r:id="rId6"/>
+    <p:sldId id="262" r:id="rId7"/>
+    <p:sldId id="261" r:id="rId8"/>
   </p:sldIdLst>
   <p:sldSz cx="12192000" cy="6858000"/>
   <p:notesSz cx="6858000" cy="9144000"/>
@@ -3783,6 +3785,149 @@
     <p:extLst>
       <p:ext uri="{BB962C8B-B14F-4D97-AF65-F5344CB8AC3E}">
         <p14:creationId xmlns:p14="http://schemas.microsoft.com/office/powerpoint/2010/main" val="2384878806"/>
+      </p:ext>
+    </p:extLst>
+  </p:cSld>
+  <p:clrMapOvr>
+    <a:masterClrMapping/>
+  </p:clrMapOvr>
+</p:sld>
+</file>
+
+<file path=ppt/slides/slide6.xml><?xml version="1.0" encoding="utf-8"?>
+<p:sld xmlns:a="http://schemas.openxmlformats.org/drawingml/2006/main" xmlns:r="http://schemas.openxmlformats.org/officeDocument/2006/relationships" xmlns:p="http://schemas.openxmlformats.org/presentationml/2006/main">
+  <p:cSld>
+    <p:spTree>
+      <p:nvGrpSpPr>
+        <p:cNvPr id="1" name=""/>
+        <p:cNvGrpSpPr/>
+        <p:nvPr/>
+      </p:nvGrpSpPr>
+      <p:grpSpPr>
+        <a:xfrm>
+          <a:off x="0" y="0"/>
+          <a:ext cx="0" cy="0"/>
+          <a:chOff x="0" y="0"/>
+          <a:chExt cx="0" cy="0"/>
+        </a:xfrm>
+      </p:grpSpPr>
+      <p:sp>
+        <p:nvSpPr>
+          <p:cNvPr id="2" name="Title 1">
+            <a:extLst>
+              <a:ext uri="{FF2B5EF4-FFF2-40B4-BE49-F238E27FC236}">
+                <a16:creationId xmlns:a16="http://schemas.microsoft.com/office/drawing/2014/main" id="{5A91FAF5-921B-1584-FE16-B06A42F6C9FC}"/>
+              </a:ext>
+            </a:extLst>
+          </p:cNvPr>
+          <p:cNvSpPr>
+            <a:spLocks noGrp="1"/>
+          </p:cNvSpPr>
+          <p:nvPr>
+            <p:ph type="title"/>
+          </p:nvPr>
+        </p:nvSpPr>
+        <p:spPr/>
+        <p:txBody>
+          <a:bodyPr/>
+          <a:lstStyle/>
+          <a:p>
+            <a:r>
+              <a:rPr lang="en-IN" dirty="0"/>
+              <a:t>Docker Build and App Run</a:t>
+            </a:r>
+          </a:p>
+        </p:txBody>
+      </p:sp>
+      <p:sp>
+        <p:nvSpPr>
+          <p:cNvPr id="3" name="Content Placeholder 2">
+            <a:extLst>
+              <a:ext uri="{FF2B5EF4-FFF2-40B4-BE49-F238E27FC236}">
+                <a16:creationId xmlns:a16="http://schemas.microsoft.com/office/drawing/2014/main" id="{910E8852-44A5-27CB-3723-CD015B6CC55A}"/>
+              </a:ext>
+            </a:extLst>
+          </p:cNvPr>
+          <p:cNvSpPr>
+            <a:spLocks noGrp="1"/>
+          </p:cNvSpPr>
+          <p:nvPr>
+            <p:ph idx="1"/>
+          </p:nvPr>
+        </p:nvSpPr>
+        <p:spPr/>
+        <p:txBody>
+          <a:bodyPr/>
+          <a:lstStyle/>
+          <a:p>
+            <a:endParaRPr lang="en-IN" dirty="0"/>
+          </a:p>
+        </p:txBody>
+      </p:sp>
+    </p:spTree>
+    <p:extLst>
+      <p:ext uri="{BB962C8B-B14F-4D97-AF65-F5344CB8AC3E}">
+        <p14:creationId xmlns:p14="http://schemas.microsoft.com/office/powerpoint/2010/main" val="3233018084"/>
+      </p:ext>
+    </p:extLst>
+  </p:cSld>
+  <p:clrMapOvr>
+    <a:masterClrMapping/>
+  </p:clrMapOvr>
+</p:sld>
+</file>
+
+<file path=ppt/slides/slide7.xml><?xml version="1.0" encoding="utf-8"?>
+<p:sld xmlns:a="http://schemas.openxmlformats.org/drawingml/2006/main" xmlns:r="http://schemas.openxmlformats.org/officeDocument/2006/relationships" xmlns:p="http://schemas.openxmlformats.org/presentationml/2006/main">
+  <p:cSld>
+    <p:spTree>
+      <p:nvGrpSpPr>
+        <p:cNvPr id="1" name=""/>
+        <p:cNvGrpSpPr/>
+        <p:nvPr/>
+      </p:nvGrpSpPr>
+      <p:grpSpPr>
+        <a:xfrm>
+          <a:off x="0" y="0"/>
+          <a:ext cx="0" cy="0"/>
+          <a:chOff x="0" y="0"/>
+          <a:chExt cx="0" cy="0"/>
+        </a:xfrm>
+      </p:grpSpPr>
+      <p:pic>
+        <p:nvPicPr>
+          <p:cNvPr id="5" name="Picture 4">
+            <a:extLst>
+              <a:ext uri="{FF2B5EF4-FFF2-40B4-BE49-F238E27FC236}">
+                <a16:creationId xmlns:a16="http://schemas.microsoft.com/office/drawing/2014/main" id="{ED5D4E86-B1B5-23E4-234C-CC47812DA1DA}"/>
+              </a:ext>
+            </a:extLst>
+          </p:cNvPr>
+          <p:cNvPicPr>
+            <a:picLocks noChangeAspect="1"/>
+          </p:cNvPicPr>
+          <p:nvPr/>
+        </p:nvPicPr>
+        <p:blipFill>
+          <a:blip r:embed="rId2"/>
+          <a:stretch>
+            <a:fillRect/>
+          </a:stretch>
+        </p:blipFill>
+        <p:spPr>
+          <a:xfrm>
+            <a:off x="574302" y="238539"/>
+            <a:ext cx="11043396" cy="6858000"/>
+          </a:xfrm>
+          <a:prstGeom prst="rect">
+            <a:avLst/>
+          </a:prstGeom>
+        </p:spPr>
+      </p:pic>
+    </p:spTree>
+    <p:extLst>
+      <p:ext uri="{BB962C8B-B14F-4D97-AF65-F5344CB8AC3E}">
+        <p14:creationId xmlns:p14="http://schemas.microsoft.com/office/powerpoint/2010/main" val="2168731227"/>
       </p:ext>
     </p:extLst>
   </p:cSld>
